--- a/analysis/results/summary_plots/deploy.pptx
+++ b/analysis/results/summary_plots/deploy.pptx
@@ -7,6 +7,16 @@
   <p:sldIdLst>
     <p:sldId id="256" r:id="rId6"/>
     <p:sldId id="257" r:id="rId7"/>
+    <p:sldId id="258" r:id="rId8"/>
+    <p:sldId id="259" r:id="rId9"/>
+    <p:sldId id="260" r:id="rId10"/>
+    <p:sldId id="261" r:id="rId11"/>
+    <p:sldId id="262" r:id="rId12"/>
+    <p:sldId id="263" r:id="rId13"/>
+    <p:sldId id="264" r:id="rId14"/>
+    <p:sldId id="265" r:id="rId15"/>
+    <p:sldId id="266" r:id="rId16"/>
+    <p:sldId id="267" r:id="rId17"/>
   </p:sldIdLst>
   <p:sldSz cx="12192000" cy="6858000"/>
   <p:notesSz cx="6858000" cy="9144000"/>
@@ -2571,7 +2581,7 @@
           <a:lstStyle/>
           <a:p>
             <a:r>
-              <a:t>Vessel investment</a:t>
+              <a:t>New England Gantt</a:t>
             </a:r>
           </a:p>
         </p:txBody>
@@ -2593,7 +2603,196 @@
         <p:spPr>
           <a:xfrm>
             <a:off x="0" y="566928"/>
+            <a:ext cx="12188952" cy="5017624"/>
+          </a:xfrm>
+          <a:prstGeom prst="rect">
+            <a:avLst/>
+          </a:prstGeom>
+        </p:spPr>
+      </p:pic>
+    </p:spTree>
+  </p:cSld>
+  <p:clrMapOvr>
+    <a:masterClrMapping/>
+  </p:clrMapOvr>
+</p:sld>
+</file>
+
+<file path=ppt/slides/slide10.xml><?xml version="1.0" encoding="utf-8"?>
+<p:sld xmlns:a="http://schemas.openxmlformats.org/drawingml/2006/main" xmlns:p="http://schemas.openxmlformats.org/presentationml/2006/main" xmlns:r="http://schemas.openxmlformats.org/officeDocument/2006/relationships">
+  <p:cSld>
+    <p:spTree>
+      <p:nvGrpSpPr>
+        <p:cNvPr id="1" name=""/>
+        <p:cNvGrpSpPr/>
+        <p:nvPr/>
+      </p:nvGrpSpPr>
+      <p:grpSpPr/>
+      <p:sp>
+        <p:nvSpPr>
+          <p:cNvPr id="2" name="Title 1"/>
+          <p:cNvSpPr>
+            <a:spLocks noGrp="1"/>
+          </p:cNvSpPr>
+          <p:nvPr>
+            <p:ph type="title"/>
+          </p:nvPr>
+        </p:nvSpPr>
+        <p:spPr/>
+        <p:txBody>
+          <a:bodyPr/>
+          <a:lstStyle/>
+          <a:p>
+            <a:r>
+              <a:t>Installed Capacity</a:t>
+            </a:r>
+          </a:p>
+        </p:txBody>
+      </p:sp>
+      <p:pic>
+        <p:nvPicPr>
+          <p:cNvPr id="3" name="Picture 2" descr="image.png"/>
+          <p:cNvPicPr>
+            <a:picLocks noChangeAspect="1"/>
+          </p:cNvPicPr>
+          <p:nvPr/>
+        </p:nvPicPr>
+        <p:blipFill>
+          <a:blip r:embed="rId2"/>
+          <a:stretch>
+            <a:fillRect/>
+          </a:stretch>
+        </p:blipFill>
+        <p:spPr>
+          <a:xfrm>
+            <a:off x="0" y="566928"/>
+            <a:ext cx="12188952" cy="5142101"/>
+          </a:xfrm>
+          <a:prstGeom prst="rect">
+            <a:avLst/>
+          </a:prstGeom>
+        </p:spPr>
+      </p:pic>
+    </p:spTree>
+  </p:cSld>
+  <p:clrMapOvr>
+    <a:masterClrMapping/>
+  </p:clrMapOvr>
+</p:sld>
+</file>
+
+<file path=ppt/slides/slide11.xml><?xml version="1.0" encoding="utf-8"?>
+<p:sld xmlns:a="http://schemas.openxmlformats.org/drawingml/2006/main" xmlns:p="http://schemas.openxmlformats.org/presentationml/2006/main" xmlns:r="http://schemas.openxmlformats.org/officeDocument/2006/relationships">
+  <p:cSld>
+    <p:spTree>
+      <p:nvGrpSpPr>
+        <p:cNvPr id="1" name=""/>
+        <p:cNvGrpSpPr/>
+        <p:nvPr/>
+      </p:nvGrpSpPr>
+      <p:grpSpPr/>
+      <p:sp>
+        <p:nvSpPr>
+          <p:cNvPr id="2" name="Title 1"/>
+          <p:cNvSpPr>
+            <a:spLocks noGrp="1"/>
+          </p:cNvSpPr>
+          <p:nvPr>
+            <p:ph type="title"/>
+          </p:nvPr>
+        </p:nvSpPr>
+        <p:spPr/>
+        <p:txBody>
+          <a:bodyPr/>
+          <a:lstStyle/>
+          <a:p>
+            <a:r>
+              <a:t>Vessel investment</a:t>
+            </a:r>
+          </a:p>
+        </p:txBody>
+      </p:sp>
+      <p:pic>
+        <p:nvPicPr>
+          <p:cNvPr id="3" name="Picture 2" descr="image.png"/>
+          <p:cNvPicPr>
+            <a:picLocks noChangeAspect="1"/>
+          </p:cNvPicPr>
+          <p:nvPr/>
+        </p:nvPicPr>
+        <p:blipFill>
+          <a:blip r:embed="rId2"/>
+          <a:stretch>
+            <a:fillRect/>
+          </a:stretch>
+        </p:blipFill>
+        <p:spPr>
+          <a:xfrm>
+            <a:off x="0" y="566928"/>
             <a:ext cx="12188952" cy="5289007"/>
+          </a:xfrm>
+          <a:prstGeom prst="rect">
+            <a:avLst/>
+          </a:prstGeom>
+        </p:spPr>
+      </p:pic>
+    </p:spTree>
+  </p:cSld>
+  <p:clrMapOvr>
+    <a:masterClrMapping/>
+  </p:clrMapOvr>
+</p:sld>
+</file>
+
+<file path=ppt/slides/slide12.xml><?xml version="1.0" encoding="utf-8"?>
+<p:sld xmlns:a="http://schemas.openxmlformats.org/drawingml/2006/main" xmlns:p="http://schemas.openxmlformats.org/presentationml/2006/main" xmlns:r="http://schemas.openxmlformats.org/officeDocument/2006/relationships">
+  <p:cSld>
+    <p:spTree>
+      <p:nvGrpSpPr>
+        <p:cNvPr id="1" name=""/>
+        <p:cNvGrpSpPr/>
+        <p:nvPr/>
+      </p:nvGrpSpPr>
+      <p:grpSpPr/>
+      <p:sp>
+        <p:nvSpPr>
+          <p:cNvPr id="2" name="Title 1"/>
+          <p:cNvSpPr>
+            <a:spLocks noGrp="1"/>
+          </p:cNvSpPr>
+          <p:nvPr>
+            <p:ph type="title"/>
+          </p:nvPr>
+        </p:nvSpPr>
+        <p:spPr/>
+        <p:txBody>
+          <a:bodyPr/>
+          <a:lstStyle/>
+          <a:p>
+            <a:r>
+              <a:t>Summary Installed Cap/Investment</a:t>
+            </a:r>
+          </a:p>
+        </p:txBody>
+      </p:sp>
+      <p:pic>
+        <p:nvPicPr>
+          <p:cNvPr id="3" name="Picture 2" descr="image.png"/>
+          <p:cNvPicPr>
+            <a:picLocks noChangeAspect="1"/>
+          </p:cNvPicPr>
+          <p:nvPr/>
+        </p:nvPicPr>
+        <p:blipFill>
+          <a:blip r:embed="rId2"/>
+          <a:stretch>
+            <a:fillRect/>
+          </a:stretch>
+        </p:blipFill>
+        <p:spPr>
+          <a:xfrm>
+            <a:off x="0" y="566928"/>
+            <a:ext cx="12188952" cy="9491911"/>
           </a:xfrm>
           <a:prstGeom prst="rect">
             <a:avLst/>
@@ -2634,7 +2833,7 @@
           <a:lstStyle/>
           <a:p>
             <a:r>
-              <a:t>Summary Installed Cap/Investment</a:t>
+              <a:t>Port Throughput</a:t>
             </a:r>
           </a:p>
         </p:txBody>
@@ -2656,7 +2855,448 @@
         <p:spPr>
           <a:xfrm>
             <a:off x="0" y="566928"/>
-            <a:ext cx="12188952" cy="9284873"/>
+            <a:ext cx="12188952" cy="8228396"/>
+          </a:xfrm>
+          <a:prstGeom prst="rect">
+            <a:avLst/>
+          </a:prstGeom>
+        </p:spPr>
+      </p:pic>
+    </p:spTree>
+  </p:cSld>
+  <p:clrMapOvr>
+    <a:masterClrMapping/>
+  </p:clrMapOvr>
+</p:sld>
+</file>
+
+<file path=ppt/slides/slide3.xml><?xml version="1.0" encoding="utf-8"?>
+<p:sld xmlns:a="http://schemas.openxmlformats.org/drawingml/2006/main" xmlns:p="http://schemas.openxmlformats.org/presentationml/2006/main" xmlns:r="http://schemas.openxmlformats.org/officeDocument/2006/relationships">
+  <p:cSld>
+    <p:spTree>
+      <p:nvGrpSpPr>
+        <p:cNvPr id="1" name=""/>
+        <p:cNvGrpSpPr/>
+        <p:nvPr/>
+      </p:nvGrpSpPr>
+      <p:grpSpPr/>
+      <p:sp>
+        <p:nvSpPr>
+          <p:cNvPr id="2" name="Title 1"/>
+          <p:cNvSpPr>
+            <a:spLocks noGrp="1"/>
+          </p:cNvSpPr>
+          <p:nvPr>
+            <p:ph type="title"/>
+          </p:nvPr>
+        </p:nvSpPr>
+        <p:spPr/>
+        <p:txBody>
+          <a:bodyPr/>
+          <a:lstStyle/>
+          <a:p>
+            <a:r>
+              <a:t>Vessel Utilization</a:t>
+            </a:r>
+          </a:p>
+        </p:txBody>
+      </p:sp>
+      <p:pic>
+        <p:nvPicPr>
+          <p:cNvPr id="3" name="Picture 2" descr="image.png"/>
+          <p:cNvPicPr>
+            <a:picLocks noChangeAspect="1"/>
+          </p:cNvPicPr>
+          <p:nvPr/>
+        </p:nvPicPr>
+        <p:blipFill>
+          <a:blip r:embed="rId2"/>
+          <a:stretch>
+            <a:fillRect/>
+          </a:stretch>
+        </p:blipFill>
+        <p:spPr>
+          <a:xfrm>
+            <a:off x="0" y="566928"/>
+            <a:ext cx="12188952" cy="9392537"/>
+          </a:xfrm>
+          <a:prstGeom prst="rect">
+            <a:avLst/>
+          </a:prstGeom>
+        </p:spPr>
+      </p:pic>
+    </p:spTree>
+  </p:cSld>
+  <p:clrMapOvr>
+    <a:masterClrMapping/>
+  </p:clrMapOvr>
+</p:sld>
+</file>
+
+<file path=ppt/slides/slide4.xml><?xml version="1.0" encoding="utf-8"?>
+<p:sld xmlns:a="http://schemas.openxmlformats.org/drawingml/2006/main" xmlns:p="http://schemas.openxmlformats.org/presentationml/2006/main" xmlns:r="http://schemas.openxmlformats.org/officeDocument/2006/relationships">
+  <p:cSld>
+    <p:spTree>
+      <p:nvGrpSpPr>
+        <p:cNvPr id="1" name=""/>
+        <p:cNvGrpSpPr/>
+        <p:nvPr/>
+      </p:nvGrpSpPr>
+      <p:grpSpPr/>
+      <p:sp>
+        <p:nvSpPr>
+          <p:cNvPr id="2" name="Title 1"/>
+          <p:cNvSpPr>
+            <a:spLocks noGrp="1"/>
+          </p:cNvSpPr>
+          <p:nvPr>
+            <p:ph type="title"/>
+          </p:nvPr>
+        </p:nvSpPr>
+        <p:spPr/>
+        <p:txBody>
+          <a:bodyPr/>
+          <a:lstStyle/>
+          <a:p>
+            <a:r>
+              <a:t>New England Gantt</a:t>
+            </a:r>
+          </a:p>
+        </p:txBody>
+      </p:sp>
+      <p:pic>
+        <p:nvPicPr>
+          <p:cNvPr id="3" name="Picture 2" descr="image.png"/>
+          <p:cNvPicPr>
+            <a:picLocks noChangeAspect="1"/>
+          </p:cNvPicPr>
+          <p:nvPr/>
+        </p:nvPicPr>
+        <p:blipFill>
+          <a:blip r:embed="rId2"/>
+          <a:stretch>
+            <a:fillRect/>
+          </a:stretch>
+        </p:blipFill>
+        <p:spPr>
+          <a:xfrm>
+            <a:off x="0" y="566928"/>
+            <a:ext cx="12188952" cy="3417334"/>
+          </a:xfrm>
+          <a:prstGeom prst="rect">
+            <a:avLst/>
+          </a:prstGeom>
+        </p:spPr>
+      </p:pic>
+    </p:spTree>
+  </p:cSld>
+  <p:clrMapOvr>
+    <a:masterClrMapping/>
+  </p:clrMapOvr>
+</p:sld>
+</file>
+
+<file path=ppt/slides/slide5.xml><?xml version="1.0" encoding="utf-8"?>
+<p:sld xmlns:a="http://schemas.openxmlformats.org/drawingml/2006/main" xmlns:p="http://schemas.openxmlformats.org/presentationml/2006/main" xmlns:r="http://schemas.openxmlformats.org/officeDocument/2006/relationships">
+  <p:cSld>
+    <p:spTree>
+      <p:nvGrpSpPr>
+        <p:cNvPr id="1" name=""/>
+        <p:cNvGrpSpPr/>
+        <p:nvPr/>
+      </p:nvGrpSpPr>
+      <p:grpSpPr/>
+      <p:sp>
+        <p:nvSpPr>
+          <p:cNvPr id="2" name="Title 1"/>
+          <p:cNvSpPr>
+            <a:spLocks noGrp="1"/>
+          </p:cNvSpPr>
+          <p:nvPr>
+            <p:ph type="title"/>
+          </p:nvPr>
+        </p:nvSpPr>
+        <p:spPr/>
+        <p:txBody>
+          <a:bodyPr/>
+          <a:lstStyle/>
+          <a:p>
+            <a:r>
+              <a:t>Port Throughput</a:t>
+            </a:r>
+          </a:p>
+        </p:txBody>
+      </p:sp>
+      <p:pic>
+        <p:nvPicPr>
+          <p:cNvPr id="3" name="Picture 2" descr="image.png"/>
+          <p:cNvPicPr>
+            <a:picLocks noChangeAspect="1"/>
+          </p:cNvPicPr>
+          <p:nvPr/>
+        </p:nvPicPr>
+        <p:blipFill>
+          <a:blip r:embed="rId2"/>
+          <a:stretch>
+            <a:fillRect/>
+          </a:stretch>
+        </p:blipFill>
+        <p:spPr>
+          <a:xfrm>
+            <a:off x="0" y="566928"/>
+            <a:ext cx="12188952" cy="8228396"/>
+          </a:xfrm>
+          <a:prstGeom prst="rect">
+            <a:avLst/>
+          </a:prstGeom>
+        </p:spPr>
+      </p:pic>
+    </p:spTree>
+  </p:cSld>
+  <p:clrMapOvr>
+    <a:masterClrMapping/>
+  </p:clrMapOvr>
+</p:sld>
+</file>
+
+<file path=ppt/slides/slide6.xml><?xml version="1.0" encoding="utf-8"?>
+<p:sld xmlns:a="http://schemas.openxmlformats.org/drawingml/2006/main" xmlns:p="http://schemas.openxmlformats.org/presentationml/2006/main" xmlns:r="http://schemas.openxmlformats.org/officeDocument/2006/relationships">
+  <p:cSld>
+    <p:spTree>
+      <p:nvGrpSpPr>
+        <p:cNvPr id="1" name=""/>
+        <p:cNvGrpSpPr/>
+        <p:nvPr/>
+      </p:nvGrpSpPr>
+      <p:grpSpPr/>
+      <p:sp>
+        <p:nvSpPr>
+          <p:cNvPr id="2" name="Title 1"/>
+          <p:cNvSpPr>
+            <a:spLocks noGrp="1"/>
+          </p:cNvSpPr>
+          <p:nvPr>
+            <p:ph type="title"/>
+          </p:nvPr>
+        </p:nvSpPr>
+        <p:spPr/>
+        <p:txBody>
+          <a:bodyPr/>
+          <a:lstStyle/>
+          <a:p>
+            <a:r>
+              <a:t>Vessel Utilization</a:t>
+            </a:r>
+          </a:p>
+        </p:txBody>
+      </p:sp>
+      <p:pic>
+        <p:nvPicPr>
+          <p:cNvPr id="3" name="Picture 2" descr="image.png"/>
+          <p:cNvPicPr>
+            <a:picLocks noChangeAspect="1"/>
+          </p:cNvPicPr>
+          <p:nvPr/>
+        </p:nvPicPr>
+        <p:blipFill>
+          <a:blip r:embed="rId2"/>
+          <a:stretch>
+            <a:fillRect/>
+          </a:stretch>
+        </p:blipFill>
+        <p:spPr>
+          <a:xfrm>
+            <a:off x="0" y="566928"/>
+            <a:ext cx="12188952" cy="9392537"/>
+          </a:xfrm>
+          <a:prstGeom prst="rect">
+            <a:avLst/>
+          </a:prstGeom>
+        </p:spPr>
+      </p:pic>
+    </p:spTree>
+  </p:cSld>
+  <p:clrMapOvr>
+    <a:masterClrMapping/>
+  </p:clrMapOvr>
+</p:sld>
+</file>
+
+<file path=ppt/slides/slide7.xml><?xml version="1.0" encoding="utf-8"?>
+<p:sld xmlns:a="http://schemas.openxmlformats.org/drawingml/2006/main" xmlns:p="http://schemas.openxmlformats.org/presentationml/2006/main" xmlns:r="http://schemas.openxmlformats.org/officeDocument/2006/relationships">
+  <p:cSld>
+    <p:spTree>
+      <p:nvGrpSpPr>
+        <p:cNvPr id="1" name=""/>
+        <p:cNvGrpSpPr/>
+        <p:nvPr/>
+      </p:nvGrpSpPr>
+      <p:grpSpPr/>
+      <p:sp>
+        <p:nvSpPr>
+          <p:cNvPr id="2" name="Title 1"/>
+          <p:cNvSpPr>
+            <a:spLocks noGrp="1"/>
+          </p:cNvSpPr>
+          <p:nvPr>
+            <p:ph type="title"/>
+          </p:nvPr>
+        </p:nvSpPr>
+        <p:spPr/>
+        <p:txBody>
+          <a:bodyPr/>
+          <a:lstStyle/>
+          <a:p>
+            <a:r>
+              <a:t>New England Gantt</a:t>
+            </a:r>
+          </a:p>
+        </p:txBody>
+      </p:sp>
+      <p:pic>
+        <p:nvPicPr>
+          <p:cNvPr id="3" name="Picture 2" descr="image.png"/>
+          <p:cNvPicPr>
+            <a:picLocks noChangeAspect="1"/>
+          </p:cNvPicPr>
+          <p:nvPr/>
+        </p:nvPicPr>
+        <p:blipFill>
+          <a:blip r:embed="rId2"/>
+          <a:stretch>
+            <a:fillRect/>
+          </a:stretch>
+        </p:blipFill>
+        <p:spPr>
+          <a:xfrm>
+            <a:off x="0" y="566928"/>
+            <a:ext cx="12188952" cy="5727839"/>
+          </a:xfrm>
+          <a:prstGeom prst="rect">
+            <a:avLst/>
+          </a:prstGeom>
+        </p:spPr>
+      </p:pic>
+    </p:spTree>
+  </p:cSld>
+  <p:clrMapOvr>
+    <a:masterClrMapping/>
+  </p:clrMapOvr>
+</p:sld>
+</file>
+
+<file path=ppt/slides/slide8.xml><?xml version="1.0" encoding="utf-8"?>
+<p:sld xmlns:a="http://schemas.openxmlformats.org/drawingml/2006/main" xmlns:p="http://schemas.openxmlformats.org/presentationml/2006/main" xmlns:r="http://schemas.openxmlformats.org/officeDocument/2006/relationships">
+  <p:cSld>
+    <p:spTree>
+      <p:nvGrpSpPr>
+        <p:cNvPr id="1" name=""/>
+        <p:cNvGrpSpPr/>
+        <p:nvPr/>
+      </p:nvGrpSpPr>
+      <p:grpSpPr/>
+      <p:sp>
+        <p:nvSpPr>
+          <p:cNvPr id="2" name="Title 1"/>
+          <p:cNvSpPr>
+            <a:spLocks noGrp="1"/>
+          </p:cNvSpPr>
+          <p:nvPr>
+            <p:ph type="title"/>
+          </p:nvPr>
+        </p:nvSpPr>
+        <p:spPr/>
+        <p:txBody>
+          <a:bodyPr/>
+          <a:lstStyle/>
+          <a:p>
+            <a:r>
+              <a:t>Port Throughput</a:t>
+            </a:r>
+          </a:p>
+        </p:txBody>
+      </p:sp>
+      <p:pic>
+        <p:nvPicPr>
+          <p:cNvPr id="3" name="Picture 2" descr="image.png"/>
+          <p:cNvPicPr>
+            <a:picLocks noChangeAspect="1"/>
+          </p:cNvPicPr>
+          <p:nvPr/>
+        </p:nvPicPr>
+        <p:blipFill>
+          <a:blip r:embed="rId2"/>
+          <a:stretch>
+            <a:fillRect/>
+          </a:stretch>
+        </p:blipFill>
+        <p:spPr>
+          <a:xfrm>
+            <a:off x="0" y="566928"/>
+            <a:ext cx="12188952" cy="8228396"/>
+          </a:xfrm>
+          <a:prstGeom prst="rect">
+            <a:avLst/>
+          </a:prstGeom>
+        </p:spPr>
+      </p:pic>
+    </p:spTree>
+  </p:cSld>
+  <p:clrMapOvr>
+    <a:masterClrMapping/>
+  </p:clrMapOvr>
+</p:sld>
+</file>
+
+<file path=ppt/slides/slide9.xml><?xml version="1.0" encoding="utf-8"?>
+<p:sld xmlns:a="http://schemas.openxmlformats.org/drawingml/2006/main" xmlns:p="http://schemas.openxmlformats.org/presentationml/2006/main" xmlns:r="http://schemas.openxmlformats.org/officeDocument/2006/relationships">
+  <p:cSld>
+    <p:spTree>
+      <p:nvGrpSpPr>
+        <p:cNvPr id="1" name=""/>
+        <p:cNvGrpSpPr/>
+        <p:nvPr/>
+      </p:nvGrpSpPr>
+      <p:grpSpPr/>
+      <p:sp>
+        <p:nvSpPr>
+          <p:cNvPr id="2" name="Title 1"/>
+          <p:cNvSpPr>
+            <a:spLocks noGrp="1"/>
+          </p:cNvSpPr>
+          <p:nvPr>
+            <p:ph type="title"/>
+          </p:nvPr>
+        </p:nvSpPr>
+        <p:spPr/>
+        <p:txBody>
+          <a:bodyPr/>
+          <a:lstStyle/>
+          <a:p>
+            <a:r>
+              <a:t>Vessel Utilization</a:t>
+            </a:r>
+          </a:p>
+        </p:txBody>
+      </p:sp>
+      <p:pic>
+        <p:nvPicPr>
+          <p:cNvPr id="3" name="Picture 2" descr="image.png"/>
+          <p:cNvPicPr>
+            <a:picLocks noChangeAspect="1"/>
+          </p:cNvPicPr>
+          <p:nvPr/>
+        </p:nvPicPr>
+        <p:blipFill>
+          <a:blip r:embed="rId2"/>
+          <a:stretch>
+            <a:fillRect/>
+          </a:stretch>
+        </p:blipFill>
+        <p:spPr>
+          <a:xfrm>
+            <a:off x="0" y="566928"/>
+            <a:ext cx="12188952" cy="9392537"/>
           </a:xfrm>
           <a:prstGeom prst="rect">
             <a:avLst/>
